--- a/Fast Transform.pptx
+++ b/Fast Transform.pptx
@@ -264,7 +264,7 @@
           <a:p>
             <a:fld id="{87AE14D4-151E-4063-A8CB-AC9205B5F84B}" type="datetimeFigureOut">
               <a:rPr lang="en-US" smtClean="0"/>
-              <a:t>4/3/2022</a:t>
+              <a:t>4/10/2022</a:t>
             </a:fld>
             <a:endParaRPr lang="en-US"/>
           </a:p>
@@ -462,7 +462,7 @@
           <a:p>
             <a:fld id="{87AE14D4-151E-4063-A8CB-AC9205B5F84B}" type="datetimeFigureOut">
               <a:rPr lang="en-US" smtClean="0"/>
-              <a:t>4/3/2022</a:t>
+              <a:t>4/10/2022</a:t>
             </a:fld>
             <a:endParaRPr lang="en-US"/>
           </a:p>
@@ -670,7 +670,7 @@
           <a:p>
             <a:fld id="{87AE14D4-151E-4063-A8CB-AC9205B5F84B}" type="datetimeFigureOut">
               <a:rPr lang="en-US" smtClean="0"/>
-              <a:t>4/3/2022</a:t>
+              <a:t>4/10/2022</a:t>
             </a:fld>
             <a:endParaRPr lang="en-US"/>
           </a:p>
@@ -868,7 +868,7 @@
           <a:p>
             <a:fld id="{87AE14D4-151E-4063-A8CB-AC9205B5F84B}" type="datetimeFigureOut">
               <a:rPr lang="en-US" smtClean="0"/>
-              <a:t>4/3/2022</a:t>
+              <a:t>4/10/2022</a:t>
             </a:fld>
             <a:endParaRPr lang="en-US"/>
           </a:p>
@@ -1143,7 +1143,7 @@
           <a:p>
             <a:fld id="{87AE14D4-151E-4063-A8CB-AC9205B5F84B}" type="datetimeFigureOut">
               <a:rPr lang="en-US" smtClean="0"/>
-              <a:t>4/3/2022</a:t>
+              <a:t>4/10/2022</a:t>
             </a:fld>
             <a:endParaRPr lang="en-US"/>
           </a:p>
@@ -1408,7 +1408,7 @@
           <a:p>
             <a:fld id="{87AE14D4-151E-4063-A8CB-AC9205B5F84B}" type="datetimeFigureOut">
               <a:rPr lang="en-US" smtClean="0"/>
-              <a:t>4/3/2022</a:t>
+              <a:t>4/10/2022</a:t>
             </a:fld>
             <a:endParaRPr lang="en-US"/>
           </a:p>
@@ -1820,7 +1820,7 @@
           <a:p>
             <a:fld id="{87AE14D4-151E-4063-A8CB-AC9205B5F84B}" type="datetimeFigureOut">
               <a:rPr lang="en-US" smtClean="0"/>
-              <a:t>4/3/2022</a:t>
+              <a:t>4/10/2022</a:t>
             </a:fld>
             <a:endParaRPr lang="en-US"/>
           </a:p>
@@ -1961,7 +1961,7 @@
           <a:p>
             <a:fld id="{87AE14D4-151E-4063-A8CB-AC9205B5F84B}" type="datetimeFigureOut">
               <a:rPr lang="en-US" smtClean="0"/>
-              <a:t>4/3/2022</a:t>
+              <a:t>4/10/2022</a:t>
             </a:fld>
             <a:endParaRPr lang="en-US"/>
           </a:p>
@@ -2074,7 +2074,7 @@
           <a:p>
             <a:fld id="{87AE14D4-151E-4063-A8CB-AC9205B5F84B}" type="datetimeFigureOut">
               <a:rPr lang="en-US" smtClean="0"/>
-              <a:t>4/3/2022</a:t>
+              <a:t>4/10/2022</a:t>
             </a:fld>
             <a:endParaRPr lang="en-US"/>
           </a:p>
@@ -2385,7 +2385,7 @@
           <a:p>
             <a:fld id="{87AE14D4-151E-4063-A8CB-AC9205B5F84B}" type="datetimeFigureOut">
               <a:rPr lang="en-US" smtClean="0"/>
-              <a:t>4/3/2022</a:t>
+              <a:t>4/10/2022</a:t>
             </a:fld>
             <a:endParaRPr lang="en-US"/>
           </a:p>
@@ -2673,7 +2673,7 @@
           <a:p>
             <a:fld id="{87AE14D4-151E-4063-A8CB-AC9205B5F84B}" type="datetimeFigureOut">
               <a:rPr lang="en-US" smtClean="0"/>
-              <a:t>4/3/2022</a:t>
+              <a:t>4/10/2022</a:t>
             </a:fld>
             <a:endParaRPr lang="en-US"/>
           </a:p>
@@ -2914,7 +2914,7 @@
           <a:p>
             <a:fld id="{87AE14D4-151E-4063-A8CB-AC9205B5F84B}" type="datetimeFigureOut">
               <a:rPr lang="en-US" smtClean="0"/>
-              <a:t>4/3/2022</a:t>
+              <a:t>4/10/2022</a:t>
             </a:fld>
             <a:endParaRPr lang="en-US"/>
           </a:p>
@@ -5044,6 +5044,70 @@
           <a:bodyPr/>
           <a:lstStyle/>
           <a:p>
+            <a:r>
+              <a:rPr lang="en-US" dirty="0"/>
+              <a:t>First we need to download Julia to run in our local machine because </a:t>
+            </a:r>
+            <a:r>
+              <a:rPr lang="en-US" dirty="0" err="1"/>
+              <a:t>jupyterhub</a:t>
+            </a:r>
+            <a:r>
+              <a:rPr lang="en-US" dirty="0"/>
+              <a:t> don’t have </a:t>
+            </a:r>
+            <a:r>
+              <a:rPr lang="en-US" dirty="0" err="1"/>
+              <a:t>engouh</a:t>
+            </a:r>
+            <a:r>
+              <a:rPr lang="en-US" dirty="0"/>
+              <a:t> </a:t>
+            </a:r>
+          </a:p>
+          <a:p>
+            <a:r>
+              <a:rPr lang="en-US" dirty="0"/>
+              <a:t>Open Julia </a:t>
+            </a:r>
+          </a:p>
+          <a:p>
+            <a:r>
+              <a:rPr lang="en-US" dirty="0"/>
+              <a:t>Use “add </a:t>
+            </a:r>
+            <a:r>
+              <a:rPr lang="en-US" dirty="0" err="1"/>
+              <a:t>FastTransform</a:t>
+            </a:r>
+            <a:r>
+              <a:rPr lang="en-US" dirty="0"/>
+              <a:t>” to down to add the packages</a:t>
+            </a:r>
+          </a:p>
+          <a:p>
+            <a:r>
+              <a:rPr lang="en-US" dirty="0"/>
+              <a:t>Remember to clone the git </a:t>
+            </a:r>
+            <a:r>
+              <a:rPr lang="en-US" dirty="0" err="1"/>
+              <a:t>FastTransforms</a:t>
+            </a:r>
+            <a:r>
+              <a:rPr lang="en-US" dirty="0"/>
+              <a:t> </a:t>
+            </a:r>
+          </a:p>
+          <a:p>
+            <a:r>
+              <a:rPr lang="en-US" dirty="0"/>
+              <a:t>U can  use include(“whatever test u want”) </a:t>
+            </a:r>
+            <a:r>
+              <a:rPr lang="en-US"/>
+              <a:t>to run it </a:t>
+            </a:r>
             <a:endParaRPr lang="en-US" dirty="0"/>
           </a:p>
         </p:txBody>

--- a/Fast Transform.pptx
+++ b/Fast Transform.pptx
@@ -11,6 +11,7 @@
     <p:sldId id="259" r:id="rId5"/>
     <p:sldId id="260" r:id="rId6"/>
     <p:sldId id="261" r:id="rId7"/>
+    <p:sldId id="262" r:id="rId8"/>
   </p:sldIdLst>
   <p:sldSz cx="12192000" cy="6858000"/>
   <p:notesSz cx="6858000" cy="9144000"/>
@@ -264,7 +265,7 @@
           <a:p>
             <a:fld id="{87AE14D4-151E-4063-A8CB-AC9205B5F84B}" type="datetimeFigureOut">
               <a:rPr lang="en-US" smtClean="0"/>
-              <a:t>4/10/2022</a:t>
+              <a:t>4/11/2022</a:t>
             </a:fld>
             <a:endParaRPr lang="en-US"/>
           </a:p>
@@ -462,7 +463,7 @@
           <a:p>
             <a:fld id="{87AE14D4-151E-4063-A8CB-AC9205B5F84B}" type="datetimeFigureOut">
               <a:rPr lang="en-US" smtClean="0"/>
-              <a:t>4/10/2022</a:t>
+              <a:t>4/11/2022</a:t>
             </a:fld>
             <a:endParaRPr lang="en-US"/>
           </a:p>
@@ -670,7 +671,7 @@
           <a:p>
             <a:fld id="{87AE14D4-151E-4063-A8CB-AC9205B5F84B}" type="datetimeFigureOut">
               <a:rPr lang="en-US" smtClean="0"/>
-              <a:t>4/10/2022</a:t>
+              <a:t>4/11/2022</a:t>
             </a:fld>
             <a:endParaRPr lang="en-US"/>
           </a:p>
@@ -868,7 +869,7 @@
           <a:p>
             <a:fld id="{87AE14D4-151E-4063-A8CB-AC9205B5F84B}" type="datetimeFigureOut">
               <a:rPr lang="en-US" smtClean="0"/>
-              <a:t>4/10/2022</a:t>
+              <a:t>4/11/2022</a:t>
             </a:fld>
             <a:endParaRPr lang="en-US"/>
           </a:p>
@@ -1143,7 +1144,7 @@
           <a:p>
             <a:fld id="{87AE14D4-151E-4063-A8CB-AC9205B5F84B}" type="datetimeFigureOut">
               <a:rPr lang="en-US" smtClean="0"/>
-              <a:t>4/10/2022</a:t>
+              <a:t>4/11/2022</a:t>
             </a:fld>
             <a:endParaRPr lang="en-US"/>
           </a:p>
@@ -1408,7 +1409,7 @@
           <a:p>
             <a:fld id="{87AE14D4-151E-4063-A8CB-AC9205B5F84B}" type="datetimeFigureOut">
               <a:rPr lang="en-US" smtClean="0"/>
-              <a:t>4/10/2022</a:t>
+              <a:t>4/11/2022</a:t>
             </a:fld>
             <a:endParaRPr lang="en-US"/>
           </a:p>
@@ -1820,7 +1821,7 @@
           <a:p>
             <a:fld id="{87AE14D4-151E-4063-A8CB-AC9205B5F84B}" type="datetimeFigureOut">
               <a:rPr lang="en-US" smtClean="0"/>
-              <a:t>4/10/2022</a:t>
+              <a:t>4/11/2022</a:t>
             </a:fld>
             <a:endParaRPr lang="en-US"/>
           </a:p>
@@ -1961,7 +1962,7 @@
           <a:p>
             <a:fld id="{87AE14D4-151E-4063-A8CB-AC9205B5F84B}" type="datetimeFigureOut">
               <a:rPr lang="en-US" smtClean="0"/>
-              <a:t>4/10/2022</a:t>
+              <a:t>4/11/2022</a:t>
             </a:fld>
             <a:endParaRPr lang="en-US"/>
           </a:p>
@@ -2074,7 +2075,7 @@
           <a:p>
             <a:fld id="{87AE14D4-151E-4063-A8CB-AC9205B5F84B}" type="datetimeFigureOut">
               <a:rPr lang="en-US" smtClean="0"/>
-              <a:t>4/10/2022</a:t>
+              <a:t>4/11/2022</a:t>
             </a:fld>
             <a:endParaRPr lang="en-US"/>
           </a:p>
@@ -2385,7 +2386,7 @@
           <a:p>
             <a:fld id="{87AE14D4-151E-4063-A8CB-AC9205B5F84B}" type="datetimeFigureOut">
               <a:rPr lang="en-US" smtClean="0"/>
-              <a:t>4/10/2022</a:t>
+              <a:t>4/11/2022</a:t>
             </a:fld>
             <a:endParaRPr lang="en-US"/>
           </a:p>
@@ -2673,7 +2674,7 @@
           <a:p>
             <a:fld id="{87AE14D4-151E-4063-A8CB-AC9205B5F84B}" type="datetimeFigureOut">
               <a:rPr lang="en-US" smtClean="0"/>
-              <a:t>4/10/2022</a:t>
+              <a:t>4/11/2022</a:t>
             </a:fld>
             <a:endParaRPr lang="en-US"/>
           </a:p>
@@ -2914,7 +2915,7 @@
           <a:p>
             <a:fld id="{87AE14D4-151E-4063-A8CB-AC9205B5F84B}" type="datetimeFigureOut">
               <a:rPr lang="en-US" smtClean="0"/>
-              <a:t>4/10/2022</a:t>
+              <a:t>4/11/2022</a:t>
             </a:fld>
             <a:endParaRPr lang="en-US"/>
           </a:p>
@@ -5102,13 +5103,8 @@
           <a:p>
             <a:r>
               <a:rPr lang="en-US" dirty="0"/>
-              <a:t>U can  use include(“whatever test u want”) </a:t>
-            </a:r>
-            <a:r>
-              <a:rPr lang="en-US"/>
-              <a:t>to run it </a:t>
-            </a:r>
-            <a:endParaRPr lang="en-US" dirty="0"/>
+              <a:t>U can  use include(“whatever test u want”) to run it </a:t>
+            </a:r>
           </a:p>
         </p:txBody>
       </p:sp>
@@ -5116,6 +5112,97 @@
     <p:extLst>
       <p:ext uri="{BB962C8B-B14F-4D97-AF65-F5344CB8AC3E}">
         <p14:creationId xmlns:p14="http://schemas.microsoft.com/office/powerpoint/2010/main" val="2038007079"/>
+      </p:ext>
+    </p:extLst>
+  </p:cSld>
+  <p:clrMapOvr>
+    <a:masterClrMapping/>
+  </p:clrMapOvr>
+</p:sld>
+</file>
+
+<file path=ppt/slides/slide7.xml><?xml version="1.0" encoding="utf-8"?>
+<p:sld xmlns:a="http://schemas.openxmlformats.org/drawingml/2006/main" xmlns:r="http://schemas.openxmlformats.org/officeDocument/2006/relationships" xmlns:p="http://schemas.openxmlformats.org/presentationml/2006/main">
+  <p:cSld>
+    <p:spTree>
+      <p:nvGrpSpPr>
+        <p:cNvPr id="1" name=""/>
+        <p:cNvGrpSpPr/>
+        <p:nvPr/>
+      </p:nvGrpSpPr>
+      <p:grpSpPr>
+        <a:xfrm>
+          <a:off x="0" y="0"/>
+          <a:ext cx="0" cy="0"/>
+          <a:chOff x="0" y="0"/>
+          <a:chExt cx="0" cy="0"/>
+        </a:xfrm>
+      </p:grpSpPr>
+      <p:sp>
+        <p:nvSpPr>
+          <p:cNvPr id="2" name="Title 1">
+            <a:extLst>
+              <a:ext uri="{FF2B5EF4-FFF2-40B4-BE49-F238E27FC236}">
+                <a16:creationId xmlns:a16="http://schemas.microsoft.com/office/drawing/2014/main" id="{37614C6E-A98C-4D54-B326-384B033870B4}"/>
+              </a:ext>
+            </a:extLst>
+          </p:cNvPr>
+          <p:cNvSpPr>
+            <a:spLocks noGrp="1"/>
+          </p:cNvSpPr>
+          <p:nvPr>
+            <p:ph type="title"/>
+          </p:nvPr>
+        </p:nvSpPr>
+        <p:spPr/>
+        <p:txBody>
+          <a:bodyPr/>
+          <a:lstStyle/>
+          <a:p>
+            <a:r>
+              <a:rPr lang="en-US" dirty="0"/>
+              <a:t>Different test case</a:t>
+            </a:r>
+          </a:p>
+        </p:txBody>
+      </p:sp>
+      <p:sp>
+        <p:nvSpPr>
+          <p:cNvPr id="3" name="Content Placeholder 2">
+            <a:extLst>
+              <a:ext uri="{FF2B5EF4-FFF2-40B4-BE49-F238E27FC236}">
+                <a16:creationId xmlns:a16="http://schemas.microsoft.com/office/drawing/2014/main" id="{75483470-5BAC-41A3-8453-D9FEFA228C0C}"/>
+              </a:ext>
+            </a:extLst>
+          </p:cNvPr>
+          <p:cNvSpPr>
+            <a:spLocks noGrp="1"/>
+          </p:cNvSpPr>
+          <p:nvPr>
+            <p:ph idx="1"/>
+          </p:nvPr>
+        </p:nvSpPr>
+        <p:spPr/>
+        <p:txBody>
+          <a:bodyPr/>
+          <a:lstStyle/>
+          <a:p>
+            <a:r>
+              <a:rPr lang="en-US" dirty="0"/>
+              <a:t>We and our team are trying for different test case in the fast form in order to see are there any function which will make the test break at any point or show out if there is any error that need to be fix in </a:t>
+            </a:r>
+            <a:r>
+              <a:rPr lang="en-US"/>
+              <a:t>the coding.</a:t>
+            </a:r>
+            <a:endParaRPr lang="en-US" dirty="0"/>
+          </a:p>
+        </p:txBody>
+      </p:sp>
+    </p:spTree>
+    <p:extLst>
+      <p:ext uri="{BB962C8B-B14F-4D97-AF65-F5344CB8AC3E}">
+        <p14:creationId xmlns:p14="http://schemas.microsoft.com/office/powerpoint/2010/main" val="1046600297"/>
       </p:ext>
     </p:extLst>
   </p:cSld>

--- a/Fast Transform.pptx
+++ b/Fast Transform.pptx
@@ -12,6 +12,9 @@
     <p:sldId id="260" r:id="rId6"/>
     <p:sldId id="261" r:id="rId7"/>
     <p:sldId id="262" r:id="rId8"/>
+    <p:sldId id="263" r:id="rId9"/>
+    <p:sldId id="264" r:id="rId10"/>
+    <p:sldId id="265" r:id="rId11"/>
   </p:sldIdLst>
   <p:sldSz cx="12192000" cy="6858000"/>
   <p:notesSz cx="6858000" cy="9144000"/>
@@ -265,7 +268,7 @@
           <a:p>
             <a:fld id="{87AE14D4-151E-4063-A8CB-AC9205B5F84B}" type="datetimeFigureOut">
               <a:rPr lang="en-US" smtClean="0"/>
-              <a:t>4/11/2022</a:t>
+              <a:t>4/28/2022</a:t>
             </a:fld>
             <a:endParaRPr lang="en-US"/>
           </a:p>
@@ -463,7 +466,7 @@
           <a:p>
             <a:fld id="{87AE14D4-151E-4063-A8CB-AC9205B5F84B}" type="datetimeFigureOut">
               <a:rPr lang="en-US" smtClean="0"/>
-              <a:t>4/11/2022</a:t>
+              <a:t>4/28/2022</a:t>
             </a:fld>
             <a:endParaRPr lang="en-US"/>
           </a:p>
@@ -671,7 +674,7 @@
           <a:p>
             <a:fld id="{87AE14D4-151E-4063-A8CB-AC9205B5F84B}" type="datetimeFigureOut">
               <a:rPr lang="en-US" smtClean="0"/>
-              <a:t>4/11/2022</a:t>
+              <a:t>4/28/2022</a:t>
             </a:fld>
             <a:endParaRPr lang="en-US"/>
           </a:p>
@@ -869,7 +872,7 @@
           <a:p>
             <a:fld id="{87AE14D4-151E-4063-A8CB-AC9205B5F84B}" type="datetimeFigureOut">
               <a:rPr lang="en-US" smtClean="0"/>
-              <a:t>4/11/2022</a:t>
+              <a:t>4/28/2022</a:t>
             </a:fld>
             <a:endParaRPr lang="en-US"/>
           </a:p>
@@ -1144,7 +1147,7 @@
           <a:p>
             <a:fld id="{87AE14D4-151E-4063-A8CB-AC9205B5F84B}" type="datetimeFigureOut">
               <a:rPr lang="en-US" smtClean="0"/>
-              <a:t>4/11/2022</a:t>
+              <a:t>4/28/2022</a:t>
             </a:fld>
             <a:endParaRPr lang="en-US"/>
           </a:p>
@@ -1409,7 +1412,7 @@
           <a:p>
             <a:fld id="{87AE14D4-151E-4063-A8CB-AC9205B5F84B}" type="datetimeFigureOut">
               <a:rPr lang="en-US" smtClean="0"/>
-              <a:t>4/11/2022</a:t>
+              <a:t>4/28/2022</a:t>
             </a:fld>
             <a:endParaRPr lang="en-US"/>
           </a:p>
@@ -1821,7 +1824,7 @@
           <a:p>
             <a:fld id="{87AE14D4-151E-4063-A8CB-AC9205B5F84B}" type="datetimeFigureOut">
               <a:rPr lang="en-US" smtClean="0"/>
-              <a:t>4/11/2022</a:t>
+              <a:t>4/28/2022</a:t>
             </a:fld>
             <a:endParaRPr lang="en-US"/>
           </a:p>
@@ -1962,7 +1965,7 @@
           <a:p>
             <a:fld id="{87AE14D4-151E-4063-A8CB-AC9205B5F84B}" type="datetimeFigureOut">
               <a:rPr lang="en-US" smtClean="0"/>
-              <a:t>4/11/2022</a:t>
+              <a:t>4/28/2022</a:t>
             </a:fld>
             <a:endParaRPr lang="en-US"/>
           </a:p>
@@ -2075,7 +2078,7 @@
           <a:p>
             <a:fld id="{87AE14D4-151E-4063-A8CB-AC9205B5F84B}" type="datetimeFigureOut">
               <a:rPr lang="en-US" smtClean="0"/>
-              <a:t>4/11/2022</a:t>
+              <a:t>4/28/2022</a:t>
             </a:fld>
             <a:endParaRPr lang="en-US"/>
           </a:p>
@@ -2386,7 +2389,7 @@
           <a:p>
             <a:fld id="{87AE14D4-151E-4063-A8CB-AC9205B5F84B}" type="datetimeFigureOut">
               <a:rPr lang="en-US" smtClean="0"/>
-              <a:t>4/11/2022</a:t>
+              <a:t>4/28/2022</a:t>
             </a:fld>
             <a:endParaRPr lang="en-US"/>
           </a:p>
@@ -2674,7 +2677,7 @@
           <a:p>
             <a:fld id="{87AE14D4-151E-4063-A8CB-AC9205B5F84B}" type="datetimeFigureOut">
               <a:rPr lang="en-US" smtClean="0"/>
-              <a:t>4/11/2022</a:t>
+              <a:t>4/28/2022</a:t>
             </a:fld>
             <a:endParaRPr lang="en-US"/>
           </a:p>
@@ -2915,7 +2918,7 @@
           <a:p>
             <a:fld id="{87AE14D4-151E-4063-A8CB-AC9205B5F84B}" type="datetimeFigureOut">
               <a:rPr lang="en-US" smtClean="0"/>
-              <a:t>4/11/2022</a:t>
+              <a:t>4/28/2022</a:t>
             </a:fld>
             <a:endParaRPr lang="en-US"/>
           </a:p>
@@ -3872,6 +3875,92 @@
 </p:sld>
 </file>
 
+<file path=ppt/slides/slide10.xml><?xml version="1.0" encoding="utf-8"?>
+<p:sld xmlns:a="http://schemas.openxmlformats.org/drawingml/2006/main" xmlns:r="http://schemas.openxmlformats.org/officeDocument/2006/relationships" xmlns:p="http://schemas.openxmlformats.org/presentationml/2006/main">
+  <p:cSld>
+    <p:spTree>
+      <p:nvGrpSpPr>
+        <p:cNvPr id="1" name=""/>
+        <p:cNvGrpSpPr/>
+        <p:nvPr/>
+      </p:nvGrpSpPr>
+      <p:grpSpPr>
+        <a:xfrm>
+          <a:off x="0" y="0"/>
+          <a:ext cx="0" cy="0"/>
+          <a:chOff x="0" y="0"/>
+          <a:chExt cx="0" cy="0"/>
+        </a:xfrm>
+      </p:grpSpPr>
+      <p:sp>
+        <p:nvSpPr>
+          <p:cNvPr id="2" name="Title 1">
+            <a:extLst>
+              <a:ext uri="{FF2B5EF4-FFF2-40B4-BE49-F238E27FC236}">
+                <a16:creationId xmlns:a16="http://schemas.microsoft.com/office/drawing/2014/main" id="{B4458A72-6E05-4217-B71D-ACC5461CB06F}"/>
+              </a:ext>
+            </a:extLst>
+          </p:cNvPr>
+          <p:cNvSpPr>
+            <a:spLocks noGrp="1"/>
+          </p:cNvSpPr>
+          <p:nvPr>
+            <p:ph type="title"/>
+          </p:nvPr>
+        </p:nvSpPr>
+        <p:spPr/>
+        <p:txBody>
+          <a:bodyPr/>
+          <a:lstStyle/>
+          <a:p>
+            <a:r>
+              <a:rPr lang="en-US" dirty="0"/>
+              <a:t>Why do we need a something like this and will it help us in the future </a:t>
+            </a:r>
+          </a:p>
+        </p:txBody>
+      </p:sp>
+      <p:sp>
+        <p:nvSpPr>
+          <p:cNvPr id="3" name="Content Placeholder 2">
+            <a:extLst>
+              <a:ext uri="{FF2B5EF4-FFF2-40B4-BE49-F238E27FC236}">
+                <a16:creationId xmlns:a16="http://schemas.microsoft.com/office/drawing/2014/main" id="{E3A7066B-334D-4805-9C6A-23AF0634964E}"/>
+              </a:ext>
+            </a:extLst>
+          </p:cNvPr>
+          <p:cNvSpPr>
+            <a:spLocks noGrp="1"/>
+          </p:cNvSpPr>
+          <p:nvPr>
+            <p:ph idx="1"/>
+          </p:nvPr>
+        </p:nvSpPr>
+        <p:spPr/>
+        <p:txBody>
+          <a:bodyPr/>
+          <a:lstStyle/>
+          <a:p>
+            <a:r>
+              <a:rPr lang="en-US" dirty="0"/>
+              <a:t>Yes so what the jobs of the computer is to lower our jobs special involve in those complex theory and algorithms so that we can use the answer for more thing in the future </a:t>
+            </a:r>
+          </a:p>
+        </p:txBody>
+      </p:sp>
+    </p:spTree>
+    <p:extLst>
+      <p:ext uri="{BB962C8B-B14F-4D97-AF65-F5344CB8AC3E}">
+        <p14:creationId xmlns:p14="http://schemas.microsoft.com/office/powerpoint/2010/main" val="3455783553"/>
+      </p:ext>
+    </p:extLst>
+  </p:cSld>
+  <p:clrMapOvr>
+    <a:masterClrMapping/>
+  </p:clrMapOvr>
+</p:sld>
+</file>
+
 <file path=ppt/slides/slide2.xml><?xml version="1.0" encoding="utf-8"?>
 <p:sld xmlns:a="http://schemas.openxmlformats.org/drawingml/2006/main" xmlns:r="http://schemas.openxmlformats.org/officeDocument/2006/relationships" xmlns:p="http://schemas.openxmlformats.org/presentationml/2006/main">
   <p:cSld>
@@ -5203,6 +5292,379 @@
     <p:extLst>
       <p:ext uri="{BB962C8B-B14F-4D97-AF65-F5344CB8AC3E}">
         <p14:creationId xmlns:p14="http://schemas.microsoft.com/office/powerpoint/2010/main" val="1046600297"/>
+      </p:ext>
+    </p:extLst>
+  </p:cSld>
+  <p:clrMapOvr>
+    <a:masterClrMapping/>
+  </p:clrMapOvr>
+</p:sld>
+</file>
+
+<file path=ppt/slides/slide8.xml><?xml version="1.0" encoding="utf-8"?>
+<p:sld xmlns:a="http://schemas.openxmlformats.org/drawingml/2006/main" xmlns:r="http://schemas.openxmlformats.org/officeDocument/2006/relationships" xmlns:p="http://schemas.openxmlformats.org/presentationml/2006/main">
+  <p:cSld>
+    <p:bg>
+      <p:bgPr>
+        <a:solidFill>
+          <a:schemeClr val="bg1"/>
+        </a:solidFill>
+        <a:effectLst/>
+      </p:bgPr>
+    </p:bg>
+    <p:spTree>
+      <p:nvGrpSpPr>
+        <p:cNvPr id="1" name=""/>
+        <p:cNvGrpSpPr/>
+        <p:nvPr/>
+      </p:nvGrpSpPr>
+      <p:grpSpPr>
+        <a:xfrm>
+          <a:off x="0" y="0"/>
+          <a:ext cx="0" cy="0"/>
+          <a:chOff x="0" y="0"/>
+          <a:chExt cx="0" cy="0"/>
+        </a:xfrm>
+      </p:grpSpPr>
+      <p:sp>
+        <p:nvSpPr>
+          <p:cNvPr id="2" name="Title 1">
+            <a:extLst>
+              <a:ext uri="{FF2B5EF4-FFF2-40B4-BE49-F238E27FC236}">
+                <a16:creationId xmlns:a16="http://schemas.microsoft.com/office/drawing/2014/main" id="{C8BD2A5D-DF69-430F-966D-A1A286E9D8E8}"/>
+              </a:ext>
+            </a:extLst>
+          </p:cNvPr>
+          <p:cNvSpPr>
+            <a:spLocks noGrp="1"/>
+          </p:cNvSpPr>
+          <p:nvPr>
+            <p:ph type="title"/>
+          </p:nvPr>
+        </p:nvSpPr>
+        <p:spPr>
+          <a:xfrm>
+            <a:off x="648929" y="629266"/>
+            <a:ext cx="3505495" cy="1622321"/>
+          </a:xfrm>
+        </p:spPr>
+        <p:txBody>
+          <a:bodyPr>
+            <a:normAutofit/>
+          </a:bodyPr>
+          <a:lstStyle/>
+          <a:p>
+            <a:r>
+              <a:rPr lang="en-US" dirty="0"/>
+              <a:t>Different value trial </a:t>
+            </a:r>
+          </a:p>
+        </p:txBody>
+      </p:sp>
+      <p:sp>
+        <p:nvSpPr>
+          <p:cNvPr id="3" name="Content Placeholder 2">
+            <a:extLst>
+              <a:ext uri="{FF2B5EF4-FFF2-40B4-BE49-F238E27FC236}">
+                <a16:creationId xmlns:a16="http://schemas.microsoft.com/office/drawing/2014/main" id="{2A812DE9-4ED7-4BA2-9CEA-F38B41ACE510}"/>
+              </a:ext>
+            </a:extLst>
+          </p:cNvPr>
+          <p:cNvSpPr>
+            <a:spLocks noGrp="1"/>
+          </p:cNvSpPr>
+          <p:nvPr>
+            <p:ph idx="1"/>
+          </p:nvPr>
+        </p:nvSpPr>
+        <p:spPr>
+          <a:xfrm>
+            <a:off x="648931" y="2438400"/>
+            <a:ext cx="3505494" cy="3785419"/>
+          </a:xfrm>
+        </p:spPr>
+        <p:txBody>
+          <a:bodyPr>
+            <a:normAutofit/>
+          </a:bodyPr>
+          <a:lstStyle/>
+          <a:p>
+            <a:r>
+              <a:rPr lang="en-US" sz="2000"/>
+              <a:t>For every function in the fast transform I have tried it different in order  to see what is the Fast Transform limit for it but the code and it is  very tight writing and structure in a good form that cannot </a:t>
+            </a:r>
+          </a:p>
+        </p:txBody>
+      </p:sp>
+      <p:sp>
+        <p:nvSpPr>
+          <p:cNvPr id="10" name="Rectangle 9">
+            <a:extLst>
+              <a:ext uri="{FF2B5EF4-FFF2-40B4-BE49-F238E27FC236}">
+                <a16:creationId xmlns:a16="http://schemas.microsoft.com/office/drawing/2014/main" id="{5E39A796-BE83-48B1-B33F-35C4A32AAB57}"/>
+              </a:ext>
+              <a:ext uri="{C183D7F6-B498-43B3-948B-1728B52AA6E4}">
+                <adec:decorative xmlns:adec="http://schemas.microsoft.com/office/drawing/2017/decorative" val="1"/>
+              </a:ext>
+            </a:extLst>
+          </p:cNvPr>
+          <p:cNvSpPr>
+            <a:spLocks noGrp="1" noRot="1" noChangeAspect="1" noMove="1" noResize="1" noEditPoints="1" noAdjustHandles="1" noChangeArrowheads="1" noChangeShapeType="1" noTextEdit="1"/>
+          </p:cNvSpPr>
+          <p:nvPr>
+            <p:extLst>
+              <p:ext uri="{386F3935-93C4-4BCD-93E2-E3B085C9AB24}">
+                <p16:designElem xmlns:p16="http://schemas.microsoft.com/office/powerpoint/2015/main" val="1"/>
+              </p:ext>
+            </p:extLst>
+          </p:nvPr>
+        </p:nvSpPr>
+        <p:spPr>
+          <a:xfrm>
+            <a:off x="4639056" y="0"/>
+            <a:ext cx="7552944" cy="6858000"/>
+          </a:xfrm>
+          <a:prstGeom prst="rect">
+            <a:avLst/>
+          </a:prstGeom>
+          <a:solidFill>
+            <a:srgbClr val="C8CACA"/>
+          </a:solidFill>
+          <a:ln>
+            <a:noFill/>
+          </a:ln>
+        </p:spPr>
+        <p:style>
+          <a:lnRef idx="2">
+            <a:schemeClr val="accent1">
+              <a:shade val="50000"/>
+            </a:schemeClr>
+          </a:lnRef>
+          <a:fillRef idx="1">
+            <a:schemeClr val="accent1"/>
+          </a:fillRef>
+          <a:effectRef idx="0">
+            <a:schemeClr val="accent1"/>
+          </a:effectRef>
+          <a:fontRef idx="minor">
+            <a:schemeClr val="lt1"/>
+          </a:fontRef>
+        </p:style>
+        <p:txBody>
+          <a:bodyPr rtlCol="0" anchor="ctr"/>
+          <a:lstStyle/>
+          <a:p>
+            <a:pPr algn="ctr"/>
+            <a:endParaRPr lang="en-US"/>
+          </a:p>
+        </p:txBody>
+      </p:sp>
+      <p:sp>
+        <p:nvSpPr>
+          <p:cNvPr id="12" name="Rounded Rectangle 9">
+            <a:extLst>
+              <a:ext uri="{FF2B5EF4-FFF2-40B4-BE49-F238E27FC236}">
+                <a16:creationId xmlns:a16="http://schemas.microsoft.com/office/drawing/2014/main" id="{72F84B47-E267-4194-8194-831DB7B5547F}"/>
+              </a:ext>
+              <a:ext uri="{C183D7F6-B498-43B3-948B-1728B52AA6E4}">
+                <adec:decorative xmlns:adec="http://schemas.microsoft.com/office/drawing/2017/decorative" val="1"/>
+              </a:ext>
+            </a:extLst>
+          </p:cNvPr>
+          <p:cNvSpPr>
+            <a:spLocks noGrp="1" noRot="1" noChangeAspect="1" noMove="1" noResize="1" noEditPoints="1" noAdjustHandles="1" noChangeArrowheads="1" noChangeShapeType="1" noTextEdit="1"/>
+          </p:cNvSpPr>
+          <p:nvPr>
+            <p:extLst>
+              <p:ext uri="{386F3935-93C4-4BCD-93E2-E3B085C9AB24}">
+                <p16:designElem xmlns:p16="http://schemas.microsoft.com/office/powerpoint/2015/main" val="1"/>
+              </p:ext>
+            </p:extLst>
+          </p:nvPr>
+        </p:nvSpPr>
+        <p:spPr>
+          <a:xfrm>
+            <a:off x="5123688" y="557784"/>
+            <a:ext cx="6584098" cy="5739187"/>
+          </a:xfrm>
+          <a:prstGeom prst="roundRect">
+            <a:avLst>
+              <a:gd name="adj" fmla="val 0"/>
+            </a:avLst>
+          </a:prstGeom>
+          <a:solidFill>
+            <a:srgbClr val="FFFFFF"/>
+          </a:solidFill>
+          <a:ln w="9525">
+            <a:solidFill>
+              <a:srgbClr val="C8CACA"/>
+            </a:solidFill>
+          </a:ln>
+          <a:effectLst>
+            <a:outerShdw blurRad="57150" dist="19050" dir="5400000" algn="t" rotWithShape="0">
+              <a:prstClr val="black">
+                <a:alpha val="63000"/>
+              </a:prstClr>
+            </a:outerShdw>
+          </a:effectLst>
+        </p:spPr>
+        <p:style>
+          <a:lnRef idx="2">
+            <a:schemeClr val="accent1">
+              <a:shade val="50000"/>
+            </a:schemeClr>
+          </a:lnRef>
+          <a:fillRef idx="1">
+            <a:schemeClr val="accent1"/>
+          </a:fillRef>
+          <a:effectRef idx="0">
+            <a:schemeClr val="accent1"/>
+          </a:effectRef>
+          <a:fontRef idx="minor">
+            <a:schemeClr val="lt1"/>
+          </a:fontRef>
+        </p:style>
+        <p:txBody>
+          <a:bodyPr rtlCol="0" anchor="ctr"/>
+          <a:lstStyle/>
+          <a:p>
+            <a:pPr algn="ctr"/>
+            <a:endParaRPr lang="en-US"/>
+          </a:p>
+        </p:txBody>
+      </p:sp>
+      <p:pic>
+        <p:nvPicPr>
+          <p:cNvPr id="5" name="Picture 4">
+            <a:extLst>
+              <a:ext uri="{FF2B5EF4-FFF2-40B4-BE49-F238E27FC236}">
+                <a16:creationId xmlns:a16="http://schemas.microsoft.com/office/drawing/2014/main" id="{3ECCFF30-47A5-4BA7-9026-56672FC03548}"/>
+              </a:ext>
+            </a:extLst>
+          </p:cNvPr>
+          <p:cNvPicPr>
+            <a:picLocks noChangeAspect="1"/>
+          </p:cNvPicPr>
+          <p:nvPr/>
+        </p:nvPicPr>
+        <p:blipFill>
+          <a:blip r:embed="rId2"/>
+          <a:stretch>
+            <a:fillRect/>
+          </a:stretch>
+        </p:blipFill>
+        <p:spPr>
+          <a:xfrm>
+            <a:off x="5405862" y="1734440"/>
+            <a:ext cx="6019331" cy="3385873"/>
+          </a:xfrm>
+          <a:prstGeom prst="rect">
+            <a:avLst/>
+          </a:prstGeom>
+          <a:effectLst/>
+        </p:spPr>
+      </p:pic>
+    </p:spTree>
+    <p:extLst>
+      <p:ext uri="{BB962C8B-B14F-4D97-AF65-F5344CB8AC3E}">
+        <p14:creationId xmlns:p14="http://schemas.microsoft.com/office/powerpoint/2010/main" val="2724229250"/>
+      </p:ext>
+    </p:extLst>
+  </p:cSld>
+  <p:clrMapOvr>
+    <a:masterClrMapping/>
+  </p:clrMapOvr>
+</p:sld>
+</file>
+
+<file path=ppt/slides/slide9.xml><?xml version="1.0" encoding="utf-8"?>
+<p:sld xmlns:a="http://schemas.openxmlformats.org/drawingml/2006/main" xmlns:r="http://schemas.openxmlformats.org/officeDocument/2006/relationships" xmlns:p="http://schemas.openxmlformats.org/presentationml/2006/main">
+  <p:cSld>
+    <p:spTree>
+      <p:nvGrpSpPr>
+        <p:cNvPr id="1" name=""/>
+        <p:cNvGrpSpPr/>
+        <p:nvPr/>
+      </p:nvGrpSpPr>
+      <p:grpSpPr>
+        <a:xfrm>
+          <a:off x="0" y="0"/>
+          <a:ext cx="0" cy="0"/>
+          <a:chOff x="0" y="0"/>
+          <a:chExt cx="0" cy="0"/>
+        </a:xfrm>
+      </p:grpSpPr>
+      <p:sp>
+        <p:nvSpPr>
+          <p:cNvPr id="2" name="Title 1">
+            <a:extLst>
+              <a:ext uri="{FF2B5EF4-FFF2-40B4-BE49-F238E27FC236}">
+                <a16:creationId xmlns:a16="http://schemas.microsoft.com/office/drawing/2014/main" id="{1DF1EC32-F16E-466C-A2DD-5088B16B69EE}"/>
+              </a:ext>
+            </a:extLst>
+          </p:cNvPr>
+          <p:cNvSpPr>
+            <a:spLocks noGrp="1"/>
+          </p:cNvSpPr>
+          <p:nvPr>
+            <p:ph type="title"/>
+          </p:nvPr>
+        </p:nvSpPr>
+        <p:spPr/>
+        <p:txBody>
+          <a:bodyPr/>
+          <a:lstStyle/>
+          <a:p>
+            <a:r>
+              <a:rPr lang="en-US" dirty="0"/>
+              <a:t>Trying to break the code  </a:t>
+            </a:r>
+          </a:p>
+        </p:txBody>
+      </p:sp>
+      <p:sp>
+        <p:nvSpPr>
+          <p:cNvPr id="3" name="Content Placeholder 2">
+            <a:extLst>
+              <a:ext uri="{FF2B5EF4-FFF2-40B4-BE49-F238E27FC236}">
+                <a16:creationId xmlns:a16="http://schemas.microsoft.com/office/drawing/2014/main" id="{106A9D99-CC90-4971-9F7D-44BEDEB165EF}"/>
+              </a:ext>
+            </a:extLst>
+          </p:cNvPr>
+          <p:cNvSpPr>
+            <a:spLocks noGrp="1"/>
+          </p:cNvSpPr>
+          <p:nvPr>
+            <p:ph idx="1"/>
+          </p:nvPr>
+        </p:nvSpPr>
+        <p:spPr/>
+        <p:txBody>
+          <a:bodyPr/>
+          <a:lstStyle/>
+          <a:p>
+            <a:pPr marL="0" indent="0">
+              <a:buNone/>
+            </a:pPr>
+            <a:r>
+              <a:rPr lang="en-US" dirty="0"/>
+              <a:t>For the coding that base on the theory will have be strictly in the coding so that it can perform a good structure with a fast running. I have attempt to break the code with the uniform </a:t>
+            </a:r>
+            <a:r>
+              <a:rPr lang="en-US" dirty="0" err="1"/>
+              <a:t>hasing</a:t>
+            </a:r>
+            <a:r>
+              <a:rPr lang="en-US" dirty="0"/>
+              <a:t> and other thing in order to see if it structure  correctly </a:t>
+            </a:r>
+          </a:p>
+        </p:txBody>
+      </p:sp>
+    </p:spTree>
+    <p:extLst>
+      <p:ext uri="{BB962C8B-B14F-4D97-AF65-F5344CB8AC3E}">
+        <p14:creationId xmlns:p14="http://schemas.microsoft.com/office/powerpoint/2010/main" val="2717175429"/>
       </p:ext>
     </p:extLst>
   </p:cSld>
